--- a/Projects/PowerBI/Vendor Payment Delays Case Study/VenderPaymentInquiry.pptx
+++ b/Projects/PowerBI/Vendor Payment Delays Case Study/VenderPaymentInquiry.pptx
@@ -203,7 +203,7 @@
           <a:p>
             <a:fld id="{E8DBE5B0-24FD-4A89-9F2B-A61B749ADA37}" type="datetimeFigureOut">
               <a:rPr lang="en-US" smtClean="0"/>
-              <a:t>2/1/2023</a:t>
+              <a:t>2/2/2023</a:t>
             </a:fld>
             <a:endParaRPr lang="en-US"/>
           </a:p>
@@ -514,36 +514,6 @@
           <a:bodyPr/>
           <a:lstStyle/>
           <a:p>
-            <a:r>
-              <a:rPr lang="en-US" sz="1200" u="sng" dirty="0"/>
-              <a:t>Other Interesting Findings</a:t>
-            </a:r>
-            <a:endParaRPr lang="en-US" sz="1200" dirty="0"/>
-          </a:p>
-          <a:p>
-            <a:pPr marL="285750" indent="-285750">
-              <a:buFont typeface="Arial" panose="020B0604020202020204" pitchFamily="34" charset="0"/>
-              <a:buChar char="•"/>
-            </a:pPr>
-            <a:r>
-              <a:rPr lang="en-US" sz="1200" dirty="0"/>
-              <a:t>An average invoice/PO is $600 and 2 the two largest vendors account for 61% of POs</a:t>
-            </a:r>
-          </a:p>
-          <a:p>
-            <a:endParaRPr lang="en-US" sz="1200" dirty="0"/>
-          </a:p>
-          <a:p>
-            <a:pPr marL="285750" indent="-285750">
-              <a:buFont typeface="Arial" panose="020B0604020202020204" pitchFamily="34" charset="0"/>
-              <a:buChar char="•"/>
-            </a:pPr>
-            <a:r>
-              <a:rPr lang="en-US" sz="1200" dirty="0"/>
-              <a:t>During the two months reviewed, processing outpaced work completion velocity, but in the last 2 weeks of February there was a noted spike in work entering and exiting the queue.</a:t>
-            </a:r>
-          </a:p>
-          <a:p>
             <a:endParaRPr lang="en-US" dirty="0"/>
           </a:p>
         </p:txBody>
@@ -733,7 +703,7 @@
           <a:p>
             <a:fld id="{FD2766A6-3C10-4AB8-86A1-BB1F0CDA7EFE}" type="datetimeFigureOut">
               <a:rPr lang="en-US" smtClean="0"/>
-              <a:t>2/1/2023</a:t>
+              <a:t>2/2/2023</a:t>
             </a:fld>
             <a:endParaRPr lang="en-US"/>
           </a:p>
@@ -931,7 +901,7 @@
           <a:p>
             <a:fld id="{FD2766A6-3C10-4AB8-86A1-BB1F0CDA7EFE}" type="datetimeFigureOut">
               <a:rPr lang="en-US" smtClean="0"/>
-              <a:t>2/1/2023</a:t>
+              <a:t>2/2/2023</a:t>
             </a:fld>
             <a:endParaRPr lang="en-US"/>
           </a:p>
@@ -1139,7 +1109,7 @@
           <a:p>
             <a:fld id="{FD2766A6-3C10-4AB8-86A1-BB1F0CDA7EFE}" type="datetimeFigureOut">
               <a:rPr lang="en-US" smtClean="0"/>
-              <a:t>2/1/2023</a:t>
+              <a:t>2/2/2023</a:t>
             </a:fld>
             <a:endParaRPr lang="en-US"/>
           </a:p>
@@ -1337,7 +1307,7 @@
           <a:p>
             <a:fld id="{FD2766A6-3C10-4AB8-86A1-BB1F0CDA7EFE}" type="datetimeFigureOut">
               <a:rPr lang="en-US" smtClean="0"/>
-              <a:t>2/1/2023</a:t>
+              <a:t>2/2/2023</a:t>
             </a:fld>
             <a:endParaRPr lang="en-US"/>
           </a:p>
@@ -1610,7 +1580,7 @@
           <a:p>
             <a:fld id="{FD2766A6-3C10-4AB8-86A1-BB1F0CDA7EFE}" type="datetimeFigureOut">
               <a:rPr lang="en-US" smtClean="0"/>
-              <a:t>2/1/2023</a:t>
+              <a:t>2/2/2023</a:t>
             </a:fld>
             <a:endParaRPr lang="en-US"/>
           </a:p>
@@ -1875,7 +1845,7 @@
           <a:p>
             <a:fld id="{FD2766A6-3C10-4AB8-86A1-BB1F0CDA7EFE}" type="datetimeFigureOut">
               <a:rPr lang="en-US" smtClean="0"/>
-              <a:t>2/1/2023</a:t>
+              <a:t>2/2/2023</a:t>
             </a:fld>
             <a:endParaRPr lang="en-US"/>
           </a:p>
@@ -2301,7 +2271,7 @@
           <a:p>
             <a:fld id="{FD2766A6-3C10-4AB8-86A1-BB1F0CDA7EFE}" type="datetimeFigureOut">
               <a:rPr lang="en-US" smtClean="0"/>
-              <a:t>2/1/2023</a:t>
+              <a:t>2/2/2023</a:t>
             </a:fld>
             <a:endParaRPr lang="en-US"/>
           </a:p>
@@ -2442,7 +2412,7 @@
           <a:p>
             <a:fld id="{FD2766A6-3C10-4AB8-86A1-BB1F0CDA7EFE}" type="datetimeFigureOut">
               <a:rPr lang="en-US" smtClean="0"/>
-              <a:t>2/1/2023</a:t>
+              <a:t>2/2/2023</a:t>
             </a:fld>
             <a:endParaRPr lang="en-US"/>
           </a:p>
@@ -2555,7 +2525,7 @@
           <a:p>
             <a:fld id="{FD2766A6-3C10-4AB8-86A1-BB1F0CDA7EFE}" type="datetimeFigureOut">
               <a:rPr lang="en-US" smtClean="0"/>
-              <a:t>2/1/2023</a:t>
+              <a:t>2/2/2023</a:t>
             </a:fld>
             <a:endParaRPr lang="en-US"/>
           </a:p>
@@ -2910,7 +2880,7 @@
           <a:p>
             <a:fld id="{FD2766A6-3C10-4AB8-86A1-BB1F0CDA7EFE}" type="datetimeFigureOut">
               <a:rPr lang="en-US" smtClean="0"/>
-              <a:t>2/1/2023</a:t>
+              <a:t>2/2/2023</a:t>
             </a:fld>
             <a:endParaRPr lang="en-US"/>
           </a:p>
@@ -3240,7 +3210,7 @@
           <a:p>
             <a:fld id="{FD2766A6-3C10-4AB8-86A1-BB1F0CDA7EFE}" type="datetimeFigureOut">
               <a:rPr lang="en-US" smtClean="0"/>
-              <a:t>2/1/2023</a:t>
+              <a:t>2/2/2023</a:t>
             </a:fld>
             <a:endParaRPr lang="en-US"/>
           </a:p>
@@ -3482,7 +3452,7 @@
             <a:fld id="{FD2766A6-3C10-4AB8-86A1-BB1F0CDA7EFE}" type="datetimeFigureOut">
               <a:rPr lang="en-US" smtClean="0"/>
               <a:pPr/>
-              <a:t>2/1/2023</a:t>
+              <a:t>2/2/2023</a:t>
             </a:fld>
             <a:endParaRPr lang="en-US" dirty="0"/>
           </a:p>
@@ -5266,7 +5236,14 @@
             <a:pPr algn="ctr"/>
             <a:r>
               <a:rPr lang="en-US" dirty="0"/>
-              <a:t>Background and Assumptions</a:t>
+              <a:t>Background and Assumptions </a:t>
+            </a:r>
+          </a:p>
+          <a:p>
+            <a:pPr algn="ctr"/>
+            <a:r>
+              <a:rPr lang="en-US" sz="1100" dirty="0"/>
+              <a:t>(5 min)</a:t>
             </a:r>
           </a:p>
         </p:txBody>
@@ -5322,7 +5299,6 @@
           <a:bodyPr rtlCol="0" anchor="ctr"/>
           <a:lstStyle/>
           <a:p>
-            <a:pPr algn="ctr"/>
             <a:r>
               <a:rPr lang="en-US" b="1" dirty="0">
                 <a:solidFill>
@@ -5518,7 +5494,7 @@
             </a:pPr>
             <a:r>
               <a:rPr lang="en-US" sz="1400" dirty="0"/>
-              <a:t>Power BI Desktop was used due to license limitation – if presented,  presentation would be linked into this report.</a:t>
+              <a:t>Power BI Desktop was used due to license limitation – if presented,  cloud-based visuals would be used.</a:t>
             </a:r>
           </a:p>
           <a:p>
@@ -5528,15 +5504,7 @@
             </a:pPr>
             <a:r>
               <a:rPr lang="en-US" sz="1400" dirty="0"/>
-              <a:t>Snapshot Data: Today’s Date is 3/1/22 (parameter will be used to alter if needed). Less </a:t>
-            </a:r>
-            <a:r>
-              <a:rPr lang="en-US" sz="1400" dirty="0" err="1"/>
-              <a:t>Longtidunal</a:t>
-            </a:r>
-            <a:r>
-              <a:rPr lang="en-US" sz="1400" dirty="0"/>
-              <a:t> Benefit for date filter given only 2 months. </a:t>
+              <a:t>Snapshot Data: Today’s Date is 3/1/22 (parameter will be used to alter if needed). Less Longitudinal Benefit for date filter given only 2 months. </a:t>
             </a:r>
           </a:p>
           <a:p>
@@ -5546,7 +5514,7 @@
             </a:pPr>
             <a:r>
               <a:rPr lang="en-US" sz="1400" dirty="0"/>
-              <a:t>Goal Turnaround: 7 calendar (and not business) days. SLA is merely an internal, non-contractual metric at this time, used for ease of use.</a:t>
+              <a:t>Goal Turnaround: 7 calendar (and not business) days. Service Level Agreement (SLA) is merely an internal, non-contractual metric at this time, used for ease of communication.</a:t>
             </a:r>
           </a:p>
           <a:p>
@@ -5556,7 +5524,7 @@
             </a:pPr>
             <a:r>
               <a:rPr lang="en-US" sz="1400" dirty="0"/>
-              <a:t>Age: can be defined as days since project completion. Capped at 58 days since no completion date dates prior to 2022 are in data set.  Assumption is that all POs opened in 2022 and no carry over occurred.</a:t>
+              <a:t>Age: Defined as days since project completion. Capped at 58 days since no completion date dates prior to 2022 are in data set.  Assumption is that all POs opened in 2022 and no carry over occurred, but likely false.</a:t>
             </a:r>
           </a:p>
         </p:txBody>
@@ -5802,6 +5770,14 @@
               <a:t>Data Takeaways</a:t>
             </a:r>
           </a:p>
+          <a:p>
+            <a:pPr algn="ctr"/>
+            <a:r>
+              <a:rPr lang="en-US" sz="1100" dirty="0"/>
+              <a:t>(30 min)</a:t>
+            </a:r>
+            <a:endParaRPr lang="en-US" sz="1800" dirty="0"/>
+          </a:p>
         </p:txBody>
       </p:sp>
       <p:sp>
@@ -5973,14 +5949,14 @@
           <p:nvPr>
             <p:extLst>
               <p:ext uri="{D42A27DB-BD31-4B8C-83A1-F6EECF244321}">
-                <p14:modId xmlns:p14="http://schemas.microsoft.com/office/powerpoint/2010/main" val="2015603194"/>
+                <p14:modId xmlns:p14="http://schemas.microsoft.com/office/powerpoint/2010/main" val="3590680209"/>
               </p:ext>
             </p:extLst>
           </p:nvPr>
         </p:nvGraphicFramePr>
         <p:xfrm>
-          <a:off x="2445487" y="1189596"/>
-          <a:ext cx="9462352" cy="5572466"/>
+          <a:off x="2321234" y="1257299"/>
+          <a:ext cx="9870766" cy="5517572"/>
         </p:xfrm>
         <a:graphic>
           <a:graphicData uri="http://schemas.openxmlformats.org/drawingml/2006/table">
@@ -5989,14 +5965,14 @@
                 <a:tableStyleId>{21E4AEA4-8DFA-4A89-87EB-49C32662AFE0}</a:tableStyleId>
               </a:tblPr>
               <a:tblGrid>
-                <a:gridCol w="5989676">
+                <a:gridCol w="7508566">
                   <a:extLst>
                     <a:ext uri="{9D8B030D-6E8A-4147-A177-3AD203B41FA5}">
                       <a16:colId xmlns:a16="http://schemas.microsoft.com/office/drawing/2014/main" val="3052445449"/>
                     </a:ext>
                   </a:extLst>
                 </a:gridCol>
-                <a:gridCol w="3472676">
+                <a:gridCol w="2362200">
                   <a:extLst>
                     <a:ext uri="{9D8B030D-6E8A-4147-A177-3AD203B41FA5}">
                       <a16:colId xmlns:a16="http://schemas.microsoft.com/office/drawing/2014/main" val="2472488427"/>
@@ -6004,7 +5980,7 @@
                   </a:extLst>
                 </a:gridCol>
               </a:tblGrid>
-              <a:tr h="482306">
+              <a:tr h="419056">
                 <a:tc>
                   <a:txBody>
                     <a:bodyPr/>
@@ -6044,7 +6020,7 @@
                             <a:srgbClr val="491777"/>
                           </a:solidFill>
                         </a:rPr>
-                        <a:t>Considerations</a:t>
+                        <a:t>(Data) Concerns</a:t>
                       </a:r>
                     </a:p>
                   </a:txBody>
@@ -6069,7 +6045,7 @@
                   </a:ext>
                 </a:extLst>
               </a:tr>
-              <a:tr h="2359006">
+              <a:tr h="2549258">
                 <a:tc>
                   <a:txBody>
                     <a:bodyPr/>
@@ -6184,7 +6160,93 @@
                       </a:pPr>
                       <a:r>
                         <a:rPr lang="en-US" sz="1400" b="0" i="1" u="none" dirty="0"/>
-                        <a:t>What is an expected turnaround for a </a:t>
+                        <a:t>“Project Not Completed”, but Paid Invoices</a:t>
+                      </a:r>
+                    </a:p>
+                    <a:p>
+                      <a:pPr marL="285750" marR="0" lvl="0" indent="-285750" algn="l" defTabSz="914400" rtl="0" eaLnBrk="1" fontAlgn="auto" latinLnBrk="0" hangingPunct="1">
+                        <a:lnSpc>
+                          <a:spcPct val="100000"/>
+                        </a:lnSpc>
+                        <a:spcBef>
+                          <a:spcPts val="0"/>
+                        </a:spcBef>
+                        <a:spcAft>
+                          <a:spcPts val="0"/>
+                        </a:spcAft>
+                        <a:buClrTx/>
+                        <a:buSzTx/>
+                        <a:buFont typeface="Arial" panose="020B0604020202020204" pitchFamily="34" charset="0"/>
+                        <a:buChar char="•"/>
+                        <a:tabLst/>
+                        <a:defRPr/>
+                      </a:pPr>
+                      <a:endParaRPr lang="en-US" sz="1400" b="0" i="1" u="none" dirty="0"/>
+                    </a:p>
+                    <a:p>
+                      <a:pPr marL="285750" marR="0" lvl="0" indent="-285750" algn="l" defTabSz="914400" rtl="0" eaLnBrk="1" fontAlgn="auto" latinLnBrk="0" hangingPunct="1">
+                        <a:lnSpc>
+                          <a:spcPct val="100000"/>
+                        </a:lnSpc>
+                        <a:spcBef>
+                          <a:spcPts val="0"/>
+                        </a:spcBef>
+                        <a:spcAft>
+                          <a:spcPts val="0"/>
+                        </a:spcAft>
+                        <a:buClrTx/>
+                        <a:buSzTx/>
+                        <a:buFont typeface="Arial" panose="020B0604020202020204" pitchFamily="34" charset="0"/>
+                        <a:buChar char="•"/>
+                        <a:tabLst/>
+                        <a:defRPr/>
+                      </a:pPr>
+                      <a:r>
+                        <a:rPr lang="en-US" sz="1400" b="0" i="1" u="none" dirty="0"/>
+                        <a:t>Large # of POs opened, but not work yet completed</a:t>
+                      </a:r>
+                    </a:p>
+                    <a:p>
+                      <a:pPr marL="285750" marR="0" lvl="0" indent="-285750" algn="l" defTabSz="914400" rtl="0" eaLnBrk="1" fontAlgn="auto" latinLnBrk="0" hangingPunct="1">
+                        <a:lnSpc>
+                          <a:spcPct val="100000"/>
+                        </a:lnSpc>
+                        <a:spcBef>
+                          <a:spcPts val="0"/>
+                        </a:spcBef>
+                        <a:spcAft>
+                          <a:spcPts val="0"/>
+                        </a:spcAft>
+                        <a:buClrTx/>
+                        <a:buSzTx/>
+                        <a:buFont typeface="Arial" panose="020B0604020202020204" pitchFamily="34" charset="0"/>
+                        <a:buChar char="•"/>
+                        <a:tabLst/>
+                        <a:defRPr/>
+                      </a:pPr>
+                      <a:endParaRPr lang="en-US" sz="1400" b="0" i="1" u="none" dirty="0"/>
+                    </a:p>
+                    <a:p>
+                      <a:pPr marL="285750" marR="0" lvl="0" indent="-285750" algn="l" defTabSz="914400" rtl="0" eaLnBrk="1" fontAlgn="auto" latinLnBrk="0" hangingPunct="1">
+                        <a:lnSpc>
+                          <a:spcPct val="100000"/>
+                        </a:lnSpc>
+                        <a:spcBef>
+                          <a:spcPts val="0"/>
+                        </a:spcBef>
+                        <a:spcAft>
+                          <a:spcPts val="0"/>
+                        </a:spcAft>
+                        <a:buClrTx/>
+                        <a:buSzTx/>
+                        <a:buFont typeface="Arial" panose="020B0604020202020204" pitchFamily="34" charset="0"/>
+                        <a:buChar char="•"/>
+                        <a:tabLst/>
+                        <a:defRPr/>
+                      </a:pPr>
+                      <a:r>
+                        <a:rPr lang="en-US" sz="1400" b="0" i="1" u="none" dirty="0"/>
+                        <a:t>Largest Vendor Volume, Lowest SLA</a:t>
                       </a:r>
                     </a:p>
                     <a:p>
@@ -6221,7 +6283,7 @@
                   </a:ext>
                 </a:extLst>
               </a:tr>
-              <a:tr h="2359006">
+              <a:tr h="2549258">
                 <a:tc>
                   <a:txBody>
                     <a:bodyPr/>
@@ -6249,7 +6311,7 @@
                       </a:pPr>
                       <a:r>
                         <a:rPr lang="en-US" sz="1400" dirty="0"/>
-                        <a:t>Some staff are taking as much as 10% of the overall PO workload, many less than 1%.</a:t>
+                        <a:t>Some staff are taking as much as 10% of the overall PO workload, many &lt;1%.</a:t>
                       </a:r>
                     </a:p>
                     <a:p>
@@ -6344,6 +6406,23 @@
                     <a:bodyPr/>
                     <a:lstStyle/>
                     <a:p>
+                      <a:pPr marL="285750" indent="-285750">
+                        <a:buFont typeface="Arial" panose="020B0604020202020204" pitchFamily="34" charset="0"/>
+                        <a:buChar char="•"/>
+                      </a:pPr>
+                      <a:r>
+                        <a:rPr lang="en-US" sz="1400" i="1" dirty="0"/>
+                        <a:t>Staffing Responsibilities</a:t>
+                      </a:r>
+                    </a:p>
+                    <a:p>
+                      <a:pPr marL="285750" indent="-285750">
+                        <a:buFont typeface="Arial" panose="020B0604020202020204" pitchFamily="34" charset="0"/>
+                        <a:buChar char="•"/>
+                      </a:pPr>
+                      <a:endParaRPr lang="en-US" sz="1400" i="1" dirty="0"/>
+                    </a:p>
+                    <a:p>
                       <a:pPr marL="285750" marR="0" lvl="0" indent="-285750" algn="l" defTabSz="914400" rtl="0" eaLnBrk="1" fontAlgn="auto" latinLnBrk="0" hangingPunct="1">
                         <a:lnSpc>
                           <a:spcPct val="100000"/>
@@ -6362,12 +6441,47 @@
                         <a:defRPr/>
                       </a:pPr>
                       <a:r>
-                        <a:rPr lang="en-US" sz="1400" b="0" i="1" u="none" dirty="0"/>
-                        <a:t>Coordinators and Specialist</a:t>
+                        <a:rPr lang="en-US" sz="1400" i="1" dirty="0"/>
+                        <a:t>PO Allocation per Employee</a:t>
                       </a:r>
                     </a:p>
                     <a:p>
-                      <a:endParaRPr lang="en-US" sz="1800" kern="1200" dirty="0">
+                      <a:pPr marL="285750" indent="-285750">
+                        <a:buFont typeface="Arial" panose="020B0604020202020204" pitchFamily="34" charset="0"/>
+                        <a:buChar char="•"/>
+                      </a:pPr>
+                      <a:endParaRPr lang="en-US" sz="1400" i="1" dirty="0"/>
+                    </a:p>
+                    <a:p>
+                      <a:pPr marL="285750" indent="-285750">
+                        <a:buFont typeface="Arial" panose="020B0604020202020204" pitchFamily="34" charset="0"/>
+                        <a:buChar char="•"/>
+                      </a:pPr>
+                      <a:r>
+                        <a:rPr lang="en-US" sz="1400" i="1" dirty="0"/>
+                        <a:t>Spike in late February Volume</a:t>
+                      </a:r>
+                    </a:p>
+                    <a:p>
+                      <a:endParaRPr lang="en-US" sz="1800" i="1" kern="1200" dirty="0">
+                        <a:solidFill>
+                          <a:schemeClr val="dk1"/>
+                        </a:solidFill>
+                        <a:latin typeface="+mn-lt"/>
+                        <a:ea typeface="+mn-ea"/>
+                        <a:cs typeface="+mn-cs"/>
+                      </a:endParaRPr>
+                    </a:p>
+                    <a:p>
+                      <a:r>
+                        <a:rPr lang="en-US" sz="1200" b="1" dirty="0">
+                          <a:solidFill>
+                            <a:schemeClr val="tx1"/>
+                          </a:solidFill>
+                        </a:rPr>
+                        <a:t>See ‘Records to Review’ page for data details.</a:t>
+                      </a:r>
+                      <a:endParaRPr lang="en-US" sz="1200" i="1" kern="1200" dirty="0">
                         <a:solidFill>
                           <a:schemeClr val="dk1"/>
                         </a:solidFill>
@@ -6426,7 +6540,7 @@
         <p:spPr>
           <a:xfrm>
             <a:off x="4735930" y="687689"/>
-            <a:ext cx="4881465" cy="261610"/>
+            <a:ext cx="5633273" cy="261610"/>
           </a:xfrm>
           <a:prstGeom prst="rect">
             <a:avLst/>
@@ -6441,7 +6555,17 @@
           <a:p>
             <a:r>
               <a:rPr lang="en-US" sz="1100" b="1" dirty="0"/>
-              <a:t>Refer to the related “Vendor Payment” Power BI Report here. [NOT A LIVE LINK]</a:t>
+              <a:t>Refer to the related </a:t>
+            </a:r>
+            <a:r>
+              <a:rPr lang="en-US" sz="1100" b="1" dirty="0">
+                <a:hlinkClick r:id="rId4"/>
+              </a:rPr>
+              <a:t>“Vendor Payment” Power BI Report. </a:t>
+            </a:r>
+            <a:r>
+              <a:rPr lang="en-US" sz="1100" b="1" dirty="0"/>
+              <a:t>[GITHUB DOWNLOAD]</a:t>
             </a:r>
           </a:p>
         </p:txBody>
@@ -6687,6 +6811,13 @@
               <a:t>Implications and Next Steps</a:t>
             </a:r>
           </a:p>
+          <a:p>
+            <a:pPr algn="ctr"/>
+            <a:r>
+              <a:rPr lang="en-US" sz="1100" dirty="0"/>
+              <a:t>(10 min)</a:t>
+            </a:r>
+          </a:p>
         </p:txBody>
       </p:sp>
       <p:sp>
@@ -6823,14 +6954,14 @@
           <p:nvPr>
             <p:extLst>
               <p:ext uri="{D42A27DB-BD31-4B8C-83A1-F6EECF244321}">
-                <p14:modId xmlns:p14="http://schemas.microsoft.com/office/powerpoint/2010/main" val="4108609805"/>
+                <p14:modId xmlns:p14="http://schemas.microsoft.com/office/powerpoint/2010/main" val="3474880481"/>
               </p:ext>
             </p:extLst>
           </p:nvPr>
         </p:nvGraphicFramePr>
         <p:xfrm>
-          <a:off x="2445486" y="1189597"/>
-          <a:ext cx="9462353" cy="5468092"/>
+          <a:off x="2452255" y="1189597"/>
+          <a:ext cx="9538854" cy="5418760"/>
         </p:xfrm>
         <a:graphic>
           <a:graphicData uri="http://schemas.openxmlformats.org/drawingml/2006/table">
@@ -6839,7 +6970,7 @@
                 <a:tableStyleId>{21E4AEA4-8DFA-4A89-87EB-49C32662AFE0}</a:tableStyleId>
               </a:tblPr>
               <a:tblGrid>
-                <a:gridCol w="9462353">
+                <a:gridCol w="9538854">
                   <a:extLst>
                     <a:ext uri="{9D8B030D-6E8A-4147-A177-3AD203B41FA5}">
                       <a16:colId xmlns:a16="http://schemas.microsoft.com/office/drawing/2014/main" val="3052445449"/>
@@ -6847,7 +6978,7 @@
                   </a:extLst>
                 </a:gridCol>
               </a:tblGrid>
-              <a:tr h="542853">
+              <a:tr h="633400">
                 <a:tc>
                   <a:txBody>
                     <a:bodyPr/>
@@ -6859,7 +6990,7 @@
                             <a:srgbClr val="491777"/>
                           </a:solidFill>
                         </a:rPr>
-                        <a:t>Exploring the Business Opportunities to Improve SLA %</a:t>
+                        <a:t>Exploring the Business Opportunities to Improve SLA % and Overall Efficiency</a:t>
                       </a:r>
                     </a:p>
                   </a:txBody>
@@ -6882,7 +7013,7 @@
                   </a:ext>
                 </a:extLst>
               </a:tr>
-              <a:tr h="3248312">
+              <a:tr h="4338812">
                 <a:tc>
                   <a:txBody>
                     <a:bodyPr/>
@@ -6890,7 +7021,7 @@
                     <a:p>
                       <a:r>
                         <a:rPr lang="en-US" sz="1400" b="1" i="1" u="none" dirty="0"/>
-                        <a:t>Opportunity #1: Added Visibility for the Largest Vendors</a:t>
+                        <a:t>Opportunity #1: Review Staffing Workloads and Allocations, specifically with Blanket POs</a:t>
                       </a:r>
                       <a:endParaRPr lang="en-US" sz="1400" dirty="0"/>
                     </a:p>
@@ -6901,7 +7032,7 @@
                       </a:pPr>
                       <a:r>
                         <a:rPr lang="en-US" sz="1400" dirty="0"/>
-                        <a:t>Majority of open jobs have not completed and therefore not ready to be paid (63%).</a:t>
+                        <a:t>Project Coordinators and Project Specialists may be able to share work more effectively, adjust resourcing needs.</a:t>
                       </a:r>
                       <a:endParaRPr lang="en-US" sz="1400" b="1" dirty="0">
                         <a:solidFill>
@@ -6920,8 +7051,125 @@
                             <a:srgbClr val="FF0000"/>
                           </a:solidFill>
                         </a:rPr>
-                        <a:t>Next Step:</a:t>
+                        <a:t>Next Step: </a:t>
                       </a:r>
+                      <a:r>
+                        <a:rPr lang="en-US" sz="1400" b="0" dirty="0">
+                          <a:solidFill>
+                            <a:srgbClr val="FF0000"/>
+                          </a:solidFill>
+                        </a:rPr>
+                        <a:t>Meet with managers to better align allocation processes and training for each role.</a:t>
+                      </a:r>
+                    </a:p>
+                    <a:p>
+                      <a:pPr marL="0" marR="0" lvl="0" indent="0" algn="l" defTabSz="914400" rtl="0" eaLnBrk="1" fontAlgn="auto" latinLnBrk="0" hangingPunct="1">
+                        <a:lnSpc>
+                          <a:spcPct val="100000"/>
+                        </a:lnSpc>
+                        <a:spcBef>
+                          <a:spcPts val="0"/>
+                        </a:spcBef>
+                        <a:spcAft>
+                          <a:spcPts val="0"/>
+                        </a:spcAft>
+                        <a:buClrTx/>
+                        <a:buSzTx/>
+                        <a:buFont typeface="Arial" panose="020B0604020202020204" pitchFamily="34" charset="0"/>
+                        <a:buNone/>
+                        <a:tabLst/>
+                        <a:defRPr/>
+                      </a:pPr>
+                      <a:endParaRPr lang="en-US" sz="1400" b="1" i="1" u="none" dirty="0"/>
+                    </a:p>
+                    <a:p>
+                      <a:pPr marL="0" marR="0" lvl="0" indent="0" algn="l" defTabSz="914400" rtl="0" eaLnBrk="1" fontAlgn="auto" latinLnBrk="0" hangingPunct="1">
+                        <a:lnSpc>
+                          <a:spcPct val="100000"/>
+                        </a:lnSpc>
+                        <a:spcBef>
+                          <a:spcPts val="0"/>
+                        </a:spcBef>
+                        <a:spcAft>
+                          <a:spcPts val="0"/>
+                        </a:spcAft>
+                        <a:buClrTx/>
+                        <a:buSzTx/>
+                        <a:buFont typeface="Arial" panose="020B0604020202020204" pitchFamily="34" charset="0"/>
+                        <a:buNone/>
+                        <a:tabLst/>
+                        <a:defRPr/>
+                      </a:pPr>
+                      <a:endParaRPr lang="en-US" sz="1400" b="1" i="1" u="none" dirty="0"/>
+                    </a:p>
+                    <a:p>
+                      <a:pPr marL="0" marR="0" lvl="0" indent="0" algn="l" defTabSz="914400" rtl="0" eaLnBrk="1" fontAlgn="auto" latinLnBrk="0" hangingPunct="1">
+                        <a:lnSpc>
+                          <a:spcPct val="100000"/>
+                        </a:lnSpc>
+                        <a:spcBef>
+                          <a:spcPts val="0"/>
+                        </a:spcBef>
+                        <a:spcAft>
+                          <a:spcPts val="0"/>
+                        </a:spcAft>
+                        <a:buClrTx/>
+                        <a:buSzTx/>
+                        <a:buFont typeface="Arial" panose="020B0604020202020204" pitchFamily="34" charset="0"/>
+                        <a:buNone/>
+                        <a:tabLst/>
+                        <a:defRPr/>
+                      </a:pPr>
+                      <a:r>
+                        <a:rPr lang="en-US" sz="1400" b="1" i="1" u="none" dirty="0"/>
+                        <a:t>Opportunity #2: Explore PO Review Cycles to Understand Large Volume of Open POs </a:t>
+                      </a:r>
+                    </a:p>
+                    <a:p>
+                      <a:pPr marL="0" indent="0">
+                        <a:buFont typeface="Arial" panose="020B0604020202020204" pitchFamily="34" charset="0"/>
+                        <a:buNone/>
+                      </a:pPr>
+                      <a:r>
+                        <a:rPr lang="en-US" sz="1400" dirty="0"/>
+                        <a:t>Invoices are paid from incomplete projects, and overwhelming number of incomplete projects have open </a:t>
+                      </a:r>
+                      <a:r>
+                        <a:rPr lang="en-US" sz="1400" dirty="0" err="1"/>
+                        <a:t>POs.</a:t>
+                      </a:r>
+                      <a:endParaRPr lang="en-US" sz="1400" b="1" dirty="0">
+                        <a:solidFill>
+                          <a:srgbClr val="FF0000"/>
+                        </a:solidFill>
+                      </a:endParaRPr>
+                    </a:p>
+                    <a:p>
+                      <a:pPr marL="0" indent="0">
+                        <a:buFont typeface="Arial" panose="020B0604020202020204" pitchFamily="34" charset="0"/>
+                        <a:buNone/>
+                      </a:pPr>
+                      <a:r>
+                        <a:rPr lang="en-US" sz="1400" b="1" dirty="0">
+                          <a:solidFill>
+                            <a:srgbClr val="FF0000"/>
+                          </a:solidFill>
+                        </a:rPr>
+                        <a:t>Next Step: </a:t>
+                      </a:r>
+                      <a:r>
+                        <a:rPr lang="en-US" sz="1400" b="0" dirty="0">
+                          <a:solidFill>
+                            <a:srgbClr val="FF0000"/>
+                          </a:solidFill>
+                        </a:rPr>
+                        <a:t>Discuss with Project teams what reviews can be added to review PO backlog periodically.</a:t>
+                      </a:r>
+                      <a:endParaRPr lang="en-US" sz="1400" b="1" dirty="0">
+                        <a:solidFill>
+                          <a:srgbClr val="FF0000"/>
+                        </a:solidFill>
+                      </a:endParaRPr>
                     </a:p>
                     <a:p>
                       <a:pPr marL="0" indent="0">
@@ -6948,46 +7196,27 @@
                         <a:tabLst/>
                         <a:defRPr/>
                       </a:pPr>
-                      <a:r>
-                        <a:rPr lang="en-US" sz="1400" b="1" i="1" u="none" dirty="0"/>
-                        <a:t>Opportunity #2: Added Visibility to the Largest Vendors</a:t>
-                      </a:r>
+                      <a:endParaRPr lang="en-US" sz="1400" b="1" i="1" u="none" dirty="0"/>
                     </a:p>
                     <a:p>
-                      <a:pPr marL="0" indent="0">
+                      <a:pPr marL="0" marR="0" lvl="0" indent="0" algn="l" defTabSz="914400" rtl="0" eaLnBrk="1" fontAlgn="auto" latinLnBrk="0" hangingPunct="1">
+                        <a:lnSpc>
+                          <a:spcPct val="100000"/>
+                        </a:lnSpc>
+                        <a:spcBef>
+                          <a:spcPts val="0"/>
+                        </a:spcBef>
+                        <a:spcAft>
+                          <a:spcPts val="0"/>
+                        </a:spcAft>
+                        <a:buClrTx/>
+                        <a:buSzTx/>
                         <a:buFont typeface="Arial" panose="020B0604020202020204" pitchFamily="34" charset="0"/>
                         <a:buNone/>
+                        <a:tabLst/>
+                        <a:defRPr/>
                       </a:pPr>
-                      <a:r>
-                        <a:rPr lang="en-US" sz="1400" dirty="0"/>
-                        <a:t>Majority of open jobs have not completed and therefore not ready to be paid (63%).</a:t>
-                      </a:r>
-                      <a:endParaRPr lang="en-US" sz="1400" b="1" dirty="0">
-                        <a:solidFill>
-                          <a:srgbClr val="FF0000"/>
-                        </a:solidFill>
-                      </a:endParaRPr>
-                    </a:p>
-                    <a:p>
-                      <a:pPr marL="0" indent="0">
-                        <a:buFont typeface="Arial" panose="020B0604020202020204" pitchFamily="34" charset="0"/>
-                        <a:buNone/>
-                      </a:pPr>
-                      <a:r>
-                        <a:rPr lang="en-US" sz="1400" b="1" dirty="0">
-                          <a:solidFill>
-                            <a:srgbClr val="FF0000"/>
-                          </a:solidFill>
-                        </a:rPr>
-                        <a:t>Next Step:</a:t>
-                      </a:r>
-                    </a:p>
-                    <a:p>
-                      <a:pPr marL="0" indent="0">
-                        <a:buFont typeface="Arial" panose="020B0604020202020204" pitchFamily="34" charset="0"/>
-                        <a:buNone/>
-                      </a:pPr>
-                      <a:endParaRPr lang="en-US" sz="1400" dirty="0"/>
+                      <a:endParaRPr lang="en-US" sz="1400" b="1" i="1" u="none" dirty="0"/>
                     </a:p>
                     <a:p>
                       <a:pPr marL="0" marR="0" lvl="0" indent="0" algn="l" defTabSz="914400" rtl="0" eaLnBrk="1" fontAlgn="auto" latinLnBrk="0" hangingPunct="1">
@@ -7009,7 +7238,7 @@
                       </a:pPr>
                       <a:r>
                         <a:rPr lang="en-US" sz="1400" b="1" i="1" u="none" dirty="0"/>
-                        <a:t>Opportunity #2: Added Visibility to the Largest Vendors</a:t>
+                        <a:t>Opportunity #3: Increase Visibility and Efficiency for our Largest Vendors</a:t>
                       </a:r>
                     </a:p>
                     <a:p>
@@ -7019,7 +7248,7 @@
                       </a:pPr>
                       <a:r>
                         <a:rPr lang="en-US" sz="1400" dirty="0"/>
-                        <a:t>Majority of open jobs have not completed and therefore not ready to be paid (63%).</a:t>
+                        <a:t>The largest vendors need to be served better once their work is completed.</a:t>
                       </a:r>
                       <a:endParaRPr lang="en-US" sz="1400" b="1" dirty="0">
                         <a:solidFill>
@@ -7038,8 +7267,61 @@
                             <a:srgbClr val="FF0000"/>
                           </a:solidFill>
                         </a:rPr>
-                        <a:t>Next Step:</a:t>
+                        <a:t>Next Step:  </a:t>
                       </a:r>
+                      <a:r>
+                        <a:rPr lang="en-US" sz="1400" b="0" dirty="0">
+                          <a:solidFill>
+                            <a:srgbClr val="FF0000"/>
+                          </a:solidFill>
+                        </a:rPr>
+                        <a:t>Discuss with Procurement and A/P what additional alerts or support can be provided.</a:t>
+                      </a:r>
+                      <a:endParaRPr lang="en-US" sz="1400" b="1" dirty="0">
+                        <a:solidFill>
+                          <a:srgbClr val="FF0000"/>
+                        </a:solidFill>
+                      </a:endParaRPr>
+                    </a:p>
+                    <a:p>
+                      <a:pPr marL="0" marR="0" lvl="0" indent="0" algn="l" defTabSz="914400" rtl="0" eaLnBrk="1" fontAlgn="auto" latinLnBrk="0" hangingPunct="1">
+                        <a:lnSpc>
+                          <a:spcPct val="100000"/>
+                        </a:lnSpc>
+                        <a:spcBef>
+                          <a:spcPts val="0"/>
+                        </a:spcBef>
+                        <a:spcAft>
+                          <a:spcPts val="0"/>
+                        </a:spcAft>
+                        <a:buClrTx/>
+                        <a:buSzTx/>
+                        <a:buFont typeface="Arial" panose="020B0604020202020204" pitchFamily="34" charset="0"/>
+                        <a:buNone/>
+                        <a:tabLst/>
+                        <a:defRPr/>
+                      </a:pPr>
+                      <a:endParaRPr lang="en-US" sz="1400" b="0" i="0" u="none" dirty="0"/>
+                    </a:p>
+                    <a:p>
+                      <a:pPr marL="0" marR="0" lvl="0" indent="0" algn="l" defTabSz="914400" rtl="0" eaLnBrk="1" fontAlgn="auto" latinLnBrk="0" hangingPunct="1">
+                        <a:lnSpc>
+                          <a:spcPct val="100000"/>
+                        </a:lnSpc>
+                        <a:spcBef>
+                          <a:spcPts val="0"/>
+                        </a:spcBef>
+                        <a:spcAft>
+                          <a:spcPts val="0"/>
+                        </a:spcAft>
+                        <a:buClrTx/>
+                        <a:buSzTx/>
+                        <a:buFont typeface="Arial" panose="020B0604020202020204" pitchFamily="34" charset="0"/>
+                        <a:buNone/>
+                        <a:tabLst/>
+                        <a:defRPr/>
+                      </a:pPr>
+                      <a:endParaRPr lang="en-US" sz="1400" b="0" i="0" u="none" dirty="0"/>
                     </a:p>
                     <a:p>
                       <a:pPr marL="0" marR="0" lvl="0" indent="0" algn="l" defTabSz="914400" rtl="0" eaLnBrk="1" fontAlgn="auto" latinLnBrk="0" hangingPunct="1">
@@ -7081,7 +7363,7 @@
                       </a:pPr>
                       <a:r>
                         <a:rPr lang="en-US" sz="1400" b="1" i="1" u="none" dirty="0"/>
-                        <a:t>Opportunity #2: Added Visibility to the Largest Vendors</a:t>
+                        <a:t>Opportunity #4: Understand Increased Volume in late February </a:t>
                       </a:r>
                     </a:p>
                     <a:p>
@@ -7091,7 +7373,7 @@
                       </a:pPr>
                       <a:r>
                         <a:rPr lang="en-US" sz="1400" dirty="0"/>
-                        <a:t>Majority of open jobs have not completed and therefore not ready to be paid (63%).</a:t>
+                        <a:t>Will it be the new normal or just an anomaly? </a:t>
                       </a:r>
                       <a:endParaRPr lang="en-US" sz="1400" b="1" dirty="0">
                         <a:solidFill>
@@ -7110,7 +7392,15 @@
                             <a:srgbClr val="FF0000"/>
                           </a:solidFill>
                         </a:rPr>
-                        <a:t>Next Step:</a:t>
+                        <a:t>Next Step: </a:t>
+                      </a:r>
+                      <a:r>
+                        <a:rPr lang="en-US" sz="1400" b="0" dirty="0">
+                          <a:solidFill>
+                            <a:srgbClr val="FF0000"/>
+                          </a:solidFill>
+                        </a:rPr>
+                        <a:t>Expand review into past years, if available, and explore any seasonality/trends. Ensure forecasts are visible for appropriate managers.  </a:t>
                       </a:r>
                     </a:p>
                     <a:p>
@@ -7150,100 +7440,6 @@
                 <a:extLst>
                   <a:ext uri="{0D108BD9-81ED-4DB2-BD59-A6C34878D82A}">
                     <a16:rowId xmlns:a16="http://schemas.microsoft.com/office/drawing/2014/main" val="2846656879"/>
-                  </a:ext>
-                </a:extLst>
-              </a:tr>
-              <a:tr h="1420039">
-                <a:tc>
-                  <a:txBody>
-                    <a:bodyPr/>
-                    <a:lstStyle/>
-                    <a:p>
-                      <a:r>
-                        <a:rPr lang="en-US" sz="1400" b="1" dirty="0">
-                          <a:solidFill>
-                            <a:srgbClr val="FF0000"/>
-                          </a:solidFill>
-                        </a:rPr>
-                        <a:t>Potential Areas of Date Concern (see ‘Records to Review’):</a:t>
-                      </a:r>
-                    </a:p>
-                    <a:p>
-                      <a:pPr marL="285750" indent="-285750">
-                        <a:buFont typeface="Arial" panose="020B0604020202020204" pitchFamily="34" charset="0"/>
-                        <a:buChar char="•"/>
-                      </a:pPr>
-                      <a:r>
-                        <a:rPr lang="en-US" sz="1400" dirty="0"/>
-                        <a:t>“Project Not Completed”, but Paid Invoices</a:t>
-                      </a:r>
-                    </a:p>
-                    <a:p>
-                      <a:pPr marL="285750" indent="-285750">
-                        <a:buFont typeface="Arial" panose="020B0604020202020204" pitchFamily="34" charset="0"/>
-                        <a:buChar char="•"/>
-                      </a:pPr>
-                      <a:r>
-                        <a:rPr lang="en-US" sz="1400" dirty="0"/>
-                        <a:t>Large # of POs opened, but not work yet completed</a:t>
-                      </a:r>
-                    </a:p>
-                    <a:p>
-                      <a:pPr marL="285750" indent="-285750">
-                        <a:buFont typeface="Arial" panose="020B0604020202020204" pitchFamily="34" charset="0"/>
-                        <a:buChar char="•"/>
-                      </a:pPr>
-                      <a:r>
-                        <a:rPr lang="en-US" sz="1400" dirty="0"/>
-                        <a:t>Largest Vendor Volume, Lowest SLA</a:t>
-                      </a:r>
-                    </a:p>
-                    <a:p>
-                      <a:pPr marL="285750" indent="-285750">
-                        <a:buFont typeface="Arial" panose="020B0604020202020204" pitchFamily="34" charset="0"/>
-                        <a:buChar char="•"/>
-                      </a:pPr>
-                      <a:r>
-                        <a:rPr lang="en-US" sz="1400" dirty="0"/>
-                        <a:t>Coordinator vs. Specialist Staffing Levels/Responsibilities</a:t>
-                      </a:r>
-                    </a:p>
-                    <a:p>
-                      <a:pPr marL="285750" indent="-285750">
-                        <a:buFont typeface="Arial" panose="020B0604020202020204" pitchFamily="34" charset="0"/>
-                        <a:buChar char="•"/>
-                      </a:pPr>
-                      <a:r>
-                        <a:rPr lang="en-US" sz="1400" dirty="0"/>
-                        <a:t>Spike in February Volume</a:t>
-                      </a:r>
-                    </a:p>
-                  </a:txBody>
-                  <a:tcPr>
-                    <a:lnT w="19050" cap="flat" cmpd="sng" algn="ctr">
-                      <a:solidFill>
-                        <a:schemeClr val="tx1"/>
-                      </a:solidFill>
-                      <a:prstDash val="solid"/>
-                      <a:round/>
-                      <a:headEnd type="none" w="med" len="med"/>
-                      <a:tailEnd type="none" w="med" len="med"/>
-                    </a:lnT>
-                    <a:lnB w="19050" cap="flat" cmpd="sng" algn="ctr">
-                      <a:solidFill>
-                        <a:schemeClr val="tx1"/>
-                      </a:solidFill>
-                      <a:prstDash val="solid"/>
-                      <a:round/>
-                      <a:headEnd type="none" w="med" len="med"/>
-                      <a:tailEnd type="none" w="med" len="med"/>
-                    </a:lnB>
-                    <a:noFill/>
-                  </a:tcPr>
-                </a:tc>
-                <a:extLst>
-                  <a:ext uri="{0D108BD9-81ED-4DB2-BD59-A6C34878D82A}">
-                    <a16:rowId xmlns:a16="http://schemas.microsoft.com/office/drawing/2014/main" val="1553623660"/>
                   </a:ext>
                 </a:extLst>
               </a:tr>
@@ -7492,6 +7688,13 @@
               <a:t>Q&amp;A</a:t>
             </a:r>
           </a:p>
+          <a:p>
+            <a:pPr algn="ctr"/>
+            <a:r>
+              <a:rPr lang="en-US" sz="1100" dirty="0"/>
+              <a:t>(15 min)</a:t>
+            </a:r>
+          </a:p>
         </p:txBody>
       </p:sp>
       <p:sp>
@@ -7887,6 +8090,13 @@
             <a:r>
               <a:rPr lang="en-US" dirty="0"/>
               <a:t>Q&amp;A</a:t>
+            </a:r>
+          </a:p>
+          <a:p>
+            <a:pPr algn="ctr"/>
+            <a:r>
+              <a:rPr lang="en-US" sz="1100" dirty="0"/>
+              <a:t>(15 min)</a:t>
             </a:r>
           </a:p>
         </p:txBody>

--- a/Projects/PowerBI/Vendor Payment Delays Case Study/VenderPaymentInquiry.pptx
+++ b/Projects/PowerBI/Vendor Payment Delays Case Study/VenderPaymentInquiry.pptx
@@ -5949,7 +5949,7 @@
           <p:nvPr>
             <p:extLst>
               <p:ext uri="{D42A27DB-BD31-4B8C-83A1-F6EECF244321}">
-                <p14:modId xmlns:p14="http://schemas.microsoft.com/office/powerpoint/2010/main" val="3590680209"/>
+                <p14:modId xmlns:p14="http://schemas.microsoft.com/office/powerpoint/2010/main" val="1775554844"/>
               </p:ext>
             </p:extLst>
           </p:nvPr>
@@ -6053,7 +6053,7 @@
                     <a:p>
                       <a:r>
                         <a:rPr lang="en-US" sz="1400" b="1" i="1" u="none" dirty="0"/>
-                        <a:t>Theme: Project Closure/Payment Timing:</a:t>
+                        <a:t>Theme: Project Closure/Payment Timing</a:t>
                       </a:r>
                     </a:p>
                     <a:p>
@@ -6076,7 +6076,7 @@
                       </a:pPr>
                       <a:r>
                         <a:rPr lang="en-US" sz="1400" dirty="0"/>
-                        <a:t>56% of Completed Projects have payment approved within 7 days, independent of whether a Blanket or Standard PO was used.</a:t>
+                        <a:t>56% of Completed Projects have payment approved within 7 days, similar whether a Blanket or Standard PO was used.</a:t>
                       </a:r>
                     </a:p>
                     <a:p>
@@ -6291,7 +6291,7 @@
                     <a:p>
                       <a:r>
                         <a:rPr lang="en-US" sz="1400" b="1" i="1" u="none" dirty="0"/>
-                        <a:t>Theme: Staffing and Roles Impact:</a:t>
+                        <a:t>Theme: Staffing and Roles Impact</a:t>
                       </a:r>
                     </a:p>
                     <a:p>
@@ -6954,7 +6954,7 @@
           <p:nvPr>
             <p:extLst>
               <p:ext uri="{D42A27DB-BD31-4B8C-83A1-F6EECF244321}">
-                <p14:modId xmlns:p14="http://schemas.microsoft.com/office/powerpoint/2010/main" val="3474880481"/>
+                <p14:modId xmlns:p14="http://schemas.microsoft.com/office/powerpoint/2010/main" val="3941231857"/>
               </p:ext>
             </p:extLst>
           </p:nvPr>
@@ -7059,7 +7059,7 @@
                             <a:srgbClr val="FF0000"/>
                           </a:solidFill>
                         </a:rPr>
-                        <a:t>Meet with managers to better align allocation processes and training for each role.</a:t>
+                        <a:t>Meet with managers to better align resource allocation processes and training for each role.</a:t>
                       </a:r>
                     </a:p>
                     <a:p>
